--- a/common_script/part2.pptx
+++ b/common_script/part2.pptx
@@ -805,7 +805,7 @@
           <a:p>
             <a:fld id="{93FCFBB3-3EC1-43AB-9BEA-0E856CA65AA1}" type="slidenum">
               <a:rPr lang="en-US" smtClean="0"/>
-              <a:t>5</a:t>
+              <a:t>4</a:t>
             </a:fld>
             <a:endParaRPr lang="en-US"/>
           </a:p>
@@ -814,7 +814,7 @@
     </p:spTree>
     <p:extLst>
       <p:ext uri="{BB962C8B-B14F-4D97-AF65-F5344CB8AC3E}">
-        <p14:creationId xmlns:p14="http://schemas.microsoft.com/office/powerpoint/2010/main" val="2847631985"/>
+        <p14:creationId xmlns:p14="http://schemas.microsoft.com/office/powerpoint/2010/main" val="2074877383"/>
       </p:ext>
     </p:extLst>
   </p:cSld>
@@ -889,6 +889,90 @@
           <a:p>
             <a:fld id="{93FCFBB3-3EC1-43AB-9BEA-0E856CA65AA1}" type="slidenum">
               <a:rPr lang="en-US" smtClean="0"/>
+              <a:t>5</a:t>
+            </a:fld>
+            <a:endParaRPr lang="en-US"/>
+          </a:p>
+        </p:txBody>
+      </p:sp>
+    </p:spTree>
+    <p:extLst>
+      <p:ext uri="{BB962C8B-B14F-4D97-AF65-F5344CB8AC3E}">
+        <p14:creationId xmlns:p14="http://schemas.microsoft.com/office/powerpoint/2010/main" val="2847631985"/>
+      </p:ext>
+    </p:extLst>
+  </p:cSld>
+  <p:clrMapOvr>
+    <a:masterClrMapping/>
+  </p:clrMapOvr>
+</p:notes>
+</file>
+
+<file path=ppt/notesSlides/notesSlide6.xml><?xml version="1.0" encoding="utf-8"?>
+<p:notes xmlns:a="http://schemas.openxmlformats.org/drawingml/2006/main" xmlns:r="http://schemas.openxmlformats.org/officeDocument/2006/relationships" xmlns:p="http://schemas.openxmlformats.org/presentationml/2006/main">
+  <p:cSld>
+    <p:spTree>
+      <p:nvGrpSpPr>
+        <p:cNvPr id="1" name=""/>
+        <p:cNvGrpSpPr/>
+        <p:nvPr/>
+      </p:nvGrpSpPr>
+      <p:grpSpPr>
+        <a:xfrm>
+          <a:off x="0" y="0"/>
+          <a:ext cx="0" cy="0"/>
+          <a:chOff x="0" y="0"/>
+          <a:chExt cx="0" cy="0"/>
+        </a:xfrm>
+      </p:grpSpPr>
+      <p:sp>
+        <p:nvSpPr>
+          <p:cNvPr id="2" name="Slide Image Placeholder 1"/>
+          <p:cNvSpPr>
+            <a:spLocks noGrp="1" noRot="1" noChangeAspect="1"/>
+          </p:cNvSpPr>
+          <p:nvPr>
+            <p:ph type="sldImg"/>
+          </p:nvPr>
+        </p:nvSpPr>
+        <p:spPr/>
+      </p:sp>
+      <p:sp>
+        <p:nvSpPr>
+          <p:cNvPr id="3" name="Notes Placeholder 2"/>
+          <p:cNvSpPr>
+            <a:spLocks noGrp="1"/>
+          </p:cNvSpPr>
+          <p:nvPr>
+            <p:ph type="body" idx="1"/>
+          </p:nvPr>
+        </p:nvSpPr>
+        <p:spPr/>
+        <p:txBody>
+          <a:bodyPr/>
+          <a:lstStyle/>
+          <a:p>
+            <a:endParaRPr lang="en-US" dirty="0"/>
+          </a:p>
+        </p:txBody>
+      </p:sp>
+      <p:sp>
+        <p:nvSpPr>
+          <p:cNvPr id="4" name="Slide Number Placeholder 3"/>
+          <p:cNvSpPr>
+            <a:spLocks noGrp="1"/>
+          </p:cNvSpPr>
+          <p:nvPr>
+            <p:ph type="sldNum" sz="quarter" idx="5"/>
+          </p:nvPr>
+        </p:nvSpPr>
+        <p:spPr/>
+        <p:txBody>
+          <a:bodyPr/>
+          <a:lstStyle/>
+          <a:p>
+            <a:fld id="{93FCFBB3-3EC1-43AB-9BEA-0E856CA65AA1}" type="slidenum">
+              <a:rPr lang="en-US" smtClean="0"/>
               <a:t>7</a:t>
             </a:fld>
             <a:endParaRPr lang="en-US"/>
@@ -908,7 +992,7 @@
 </p:notes>
 </file>
 
-<file path=ppt/notesSlides/notesSlide6.xml><?xml version="1.0" encoding="utf-8"?>
+<file path=ppt/notesSlides/notesSlide7.xml><?xml version="1.0" encoding="utf-8"?>
 <p:notes xmlns:a="http://schemas.openxmlformats.org/drawingml/2006/main" xmlns:r="http://schemas.openxmlformats.org/officeDocument/2006/relationships" xmlns:p="http://schemas.openxmlformats.org/presentationml/2006/main">
   <p:cSld>
     <p:spTree>
@@ -9107,10 +9191,10 @@
       </p:sp>
       <p:pic>
         <p:nvPicPr>
-          <p:cNvPr id="7" name="Picture 6">
+          <p:cNvPr id="8" name="Picture 7">
             <a:extLst>
               <a:ext uri="{FF2B5EF4-FFF2-40B4-BE49-F238E27FC236}">
-                <a16:creationId xmlns:a16="http://schemas.microsoft.com/office/drawing/2014/main" id="{72F78498-7769-439F-8BF0-6A0EB70936DA}"/>
+                <a16:creationId xmlns:a16="http://schemas.microsoft.com/office/drawing/2014/main" id="{8D580ED9-711D-4CB8-834F-B4FE85974CBE}"/>
               </a:ext>
             </a:extLst>
           </p:cNvPr>
@@ -9120,15 +9204,15 @@
           <p:nvPr/>
         </p:nvPicPr>
         <p:blipFill>
-          <a:blip r:embed="rId2"/>
+          <a:blip r:embed="rId3"/>
           <a:stretch>
             <a:fillRect/>
           </a:stretch>
         </p:blipFill>
         <p:spPr>
           <a:xfrm>
-            <a:off x="5961898" y="1389680"/>
-            <a:ext cx="5721200" cy="4901544"/>
+            <a:off x="5883682" y="1129753"/>
+            <a:ext cx="6212396" cy="5548624"/>
           </a:xfrm>
           <a:prstGeom prst="rect">
             <a:avLst/>
@@ -9192,10 +9276,9 @@
           <a:lstStyle/>
           <a:p>
             <a:r>
-              <a:rPr lang="en-US"/>
+              <a:rPr lang="en-US" dirty="0"/>
               <a:t>Two important properties:</a:t>
             </a:r>
-            <a:endParaRPr lang="en-US" dirty="0"/>
           </a:p>
           <a:p>
             <a:endParaRPr lang="en-US" dirty="0"/>
@@ -9215,7 +9298,15 @@
           <a:p>
             <a:r>
               <a:rPr lang="en-US" dirty="0"/>
-              <a:t>Property 2: If the shortest path can not accommodate this user, it will choose the second shortest path. If the second shortest path can not either, then the third …</a:t>
+              <a:t>Property 2:</a:t>
+            </a:r>
+            <a:r>
+              <a:rPr lang="en-US" altLang="zh-CN" dirty="0"/>
+              <a:t>For these user who is not drop off.</a:t>
+            </a:r>
+            <a:r>
+              <a:rPr lang="en-US" dirty="0"/>
+              <a:t> If the shortest path can not accommodate this user, it will choose the second shortest path. If the second shortest path can not do either, then the third …</a:t>
             </a:r>
           </a:p>
           <a:p>
@@ -9352,17 +9443,17 @@
           <a:lstStyle/>
           <a:p>
             <a:r>
-              <a:rPr lang="en-US" sz="1800" dirty="0"/>
-              <a:t>Split happens when the available shortest path(SP) can not accommodate fully user.</a:t>
-            </a:r>
-          </a:p>
-          <a:p>
-            <a:endParaRPr lang="en-US" sz="1800" dirty="0"/>
-          </a:p>
-          <a:p>
-            <a:r>
-              <a:rPr lang="en-US" sz="1800" dirty="0"/>
-              <a:t>In our model, due to each node can serve all service, so service type does not matter for node. The value of each service matters.</a:t>
+              <a:rPr lang="en-US" sz="1600" dirty="0"/>
+              <a:t>Split happens when the available shortest path(SP) can not fully accommodate one user.</a:t>
+            </a:r>
+          </a:p>
+          <a:p>
+            <a:endParaRPr lang="en-US" sz="1600" dirty="0"/>
+          </a:p>
+          <a:p>
+            <a:r>
+              <a:rPr lang="en-US" sz="1600" dirty="0"/>
+              <a:t>In our model, due to each node can serve all services, so service type does not matter for node. The value of each service matters. (Only the Higher value flow effects the lower value flow)</a:t>
             </a:r>
           </a:p>
           <a:p>
@@ -9441,7 +9532,15 @@
             </a:r>
             <a:r>
               <a:rPr lang="en-US" sz="1200" b="0" dirty="0"/>
-              <a:t> = min{V_n1}, 0.9x can not increase.</a:t>
+              <a:t> = min{V_n1}, 0.9x can not increase(not infect </a:t>
+            </a:r>
+            <a:r>
+              <a:rPr lang="en-US" sz="1200" b="0" dirty="0" err="1"/>
+              <a:t>y,z,t</a:t>
+            </a:r>
+            <a:r>
+              <a:rPr lang="en-US" sz="1200" b="0" dirty="0"/>
+              <a:t>).</a:t>
             </a:r>
           </a:p>
           <a:p>
@@ -9454,9 +9553,15 @@
               <a:rPr lang="en-US" sz="1200" b="0" dirty="0">
                 <a:sym typeface="Wingdings" panose="05000000000000000000" pitchFamily="2" charset="2"/>
               </a:rPr>
-              <a:t>property 1</a:t>
-            </a:r>
-            <a:endParaRPr lang="en-US" sz="1200" b="0" dirty="0"/>
+              <a:t></a:t>
+            </a:r>
+            <a:r>
+              <a:rPr lang="en-US" sz="1200" dirty="0">
+                <a:sym typeface="Wingdings" panose="05000000000000000000" pitchFamily="2" charset="2"/>
+              </a:rPr>
+              <a:t>property 1</a:t>
+            </a:r>
+            <a:endParaRPr lang="en-US" sz="1200" dirty="0"/>
           </a:p>
           <a:p>
             <a:pPr algn="l"/>
@@ -9505,7 +9610,13 @@
               <a:rPr lang="en-US" sz="1200" b="0" dirty="0">
                 <a:sym typeface="Wingdings" panose="05000000000000000000" pitchFamily="2" charset="2"/>
               </a:rPr>
-              <a:t> (0.9+0.1)x property 2</a:t>
+              <a:t> (0.9+0.1)x </a:t>
+            </a:r>
+            <a:r>
+              <a:rPr lang="en-US" sz="1200" dirty="0">
+                <a:sym typeface="Wingdings" panose="05000000000000000000" pitchFamily="2" charset="2"/>
+              </a:rPr>
+              <a:t>property 2</a:t>
             </a:r>
           </a:p>
           <a:p>
@@ -9533,27 +9644,25 @@
             </a:r>
             <a:r>
               <a:rPr lang="en-US" sz="1200" b="0" dirty="0" err="1"/>
-              <a:t>y,z</a:t>
+              <a:t>y,z,t</a:t>
             </a:r>
             <a:r>
               <a:rPr lang="en-US" sz="1200" b="0" dirty="0"/>
-              <a:t> .Then 0.9x will be kept and drop off in next </a:t>
-            </a:r>
-            <a:r>
-              <a:rPr lang="en-US" sz="1200" b="0" dirty="0" err="1"/>
-              <a:t>iter</a:t>
-            </a:r>
-            <a:r>
-              <a:rPr lang="en-US" sz="1200" b="0" dirty="0"/>
-              <a:t>. </a:t>
+              <a:t> .Then 0.9x will be kept and drop off in the future iteration. </a:t>
             </a:r>
             <a:r>
               <a:rPr lang="en-US" sz="1200" b="0" dirty="0">
                 <a:sym typeface="Wingdings" panose="05000000000000000000" pitchFamily="2" charset="2"/>
               </a:rPr>
-              <a:t> property 1</a:t>
-            </a:r>
-            <a:endParaRPr lang="en-US" sz="1200" b="0" dirty="0"/>
+              <a:t> </a:t>
+            </a:r>
+            <a:r>
+              <a:rPr lang="en-US" sz="1200" dirty="0">
+                <a:sym typeface="Wingdings" panose="05000000000000000000" pitchFamily="2" charset="2"/>
+              </a:rPr>
+              <a:t>property 1</a:t>
+            </a:r>
+            <a:endParaRPr lang="en-US" sz="1200" dirty="0"/>
           </a:p>
           <a:p>
             <a:pPr algn="l"/>
@@ -9563,7 +9672,7 @@
             </a:r>
             <a:r>
               <a:rPr lang="en-US" sz="1200" b="0" dirty="0" err="1"/>
-              <a:t>n.v</a:t>
+              <a:t>y.v</a:t>
             </a:r>
             <a:r>
               <a:rPr lang="en-US" sz="1200" b="0" dirty="0"/>
@@ -9571,7 +9680,7 @@
             </a:r>
             <a:r>
               <a:rPr lang="en-US" sz="1200" b="0" dirty="0" err="1"/>
-              <a:t>m.v</a:t>
+              <a:t>z.v</a:t>
             </a:r>
             <a:r>
               <a:rPr lang="en-US" sz="1200" b="0" dirty="0"/>
@@ -9624,7 +9733,13 @@
               <a:rPr lang="en-US" altLang="zh-CN" sz="1200" b="0" dirty="0">
                 <a:sym typeface="Wingdings" panose="05000000000000000000" pitchFamily="2" charset="2"/>
               </a:rPr>
-              <a:t>property 2</a:t>
+              <a:t></a:t>
+            </a:r>
+            <a:r>
+              <a:rPr lang="en-US" altLang="zh-CN" sz="1200" dirty="0">
+                <a:sym typeface="Wingdings" panose="05000000000000000000" pitchFamily="2" charset="2"/>
+              </a:rPr>
+              <a:t>property 2</a:t>
             </a:r>
           </a:p>
           <a:p>
@@ -9633,21 +9748,59 @@
               <a:rPr lang="en-US" sz="1200" b="0" dirty="0">
                 <a:sym typeface="Wingdings" panose="05000000000000000000" pitchFamily="2" charset="2"/>
               </a:rPr>
-              <a:t>			Second result: w&lt;0.1 (0.9x+wx)&lt;1drop </a:t>
+              <a:t>			Second result: w&lt;0.1(after remove y and z on node1</a:t>
+            </a:r>
+          </a:p>
+          <a:p>
+            <a:pPr algn="l"/>
+            <a:r>
+              <a:rPr lang="en-US" sz="1200" b="0" dirty="0">
+                <a:sym typeface="Wingdings" panose="05000000000000000000" pitchFamily="2" charset="2"/>
+              </a:rPr>
+              <a:t>				</a:t>
+            </a:r>
+            <a:r>
+              <a:rPr lang="en-US" sz="1200" b="0" dirty="0" err="1"/>
+              <a:t>X.v</a:t>
+            </a:r>
+            <a:r>
+              <a:rPr lang="en-US" sz="1200" b="0" dirty="0"/>
+              <a:t> = min{V_n1}</a:t>
+            </a:r>
+            <a:r>
+              <a:rPr lang="en-US" sz="1200" b="0" dirty="0">
+                <a:sym typeface="Wingdings" panose="05000000000000000000" pitchFamily="2" charset="2"/>
+              </a:rPr>
+              <a:t>) (0.9x+wx)&lt;1</a:t>
+            </a:r>
+          </a:p>
+          <a:p>
+            <a:pPr algn="l"/>
+            <a:r>
+              <a:rPr lang="en-US" sz="1200" b="0" dirty="0">
+                <a:sym typeface="Wingdings" panose="05000000000000000000" pitchFamily="2" charset="2"/>
+              </a:rPr>
+              <a:t>				drop </a:t>
             </a:r>
             <a:r>
               <a:rPr lang="en-US" sz="1200" b="0" dirty="0" err="1">
                 <a:sym typeface="Wingdings" panose="05000000000000000000" pitchFamily="2" charset="2"/>
               </a:rPr>
-              <a:t>offproperty</a:t>
-            </a:r>
-            <a:r>
-              <a:rPr lang="en-US" sz="1200" b="0" dirty="0">
+              <a:t>off</a:t>
+            </a:r>
+            <a:r>
+              <a:rPr lang="en-US" sz="1200" dirty="0" err="1">
+                <a:sym typeface="Wingdings" panose="05000000000000000000" pitchFamily="2" charset="2"/>
+              </a:rPr>
+              <a:t>property</a:t>
+            </a:r>
+            <a:r>
+              <a:rPr lang="en-US" sz="1200" dirty="0">
                 <a:sym typeface="Wingdings" panose="05000000000000000000" pitchFamily="2" charset="2"/>
               </a:rPr>
               <a:t> 1</a:t>
             </a:r>
-            <a:endParaRPr lang="en-US" sz="1200" b="0" dirty="0"/>
+            <a:endParaRPr lang="en-US" sz="1200" dirty="0"/>
           </a:p>
           <a:p>
             <a:endParaRPr lang="en-US" sz="2000" dirty="0"/>
@@ -10018,7 +10171,7 @@
           <a:p>
             <a:r>
               <a:rPr lang="en-US" b="0" dirty="0"/>
-              <a:t>Achieve great approximation for mixed integer programming with much less computation.</a:t>
+              <a:t>Achieve good approximation for mixed integer programming with much less computation.</a:t>
             </a:r>
           </a:p>
           <a:p>

--- a/common_script/part2.pptx
+++ b/common_script/part2.pptx
@@ -784,7 +784,10 @@
           <a:bodyPr/>
           <a:lstStyle/>
           <a:p>
-            <a:endParaRPr lang="en-US" dirty="0"/>
+            <a:r>
+              <a:rPr lang="en-US" dirty="0"/>
+              <a:t>Because it has relatively the higher probability to became 1</a:t>
+            </a:r>
           </a:p>
         </p:txBody>
       </p:sp>
@@ -8165,7 +8168,7 @@
             </a:r>
             <a:r>
               <a:rPr lang="en-US" dirty="0"/>
-              <a:t> binary, and get ‘binary’ </a:t>
+              <a:t> to be binary, and get ‘binary’ </a:t>
             </a:r>
             <a:r>
               <a:rPr lang="en-US" dirty="0" err="1"/>
@@ -8173,7 +8176,7 @@
             </a:r>
             <a:r>
               <a:rPr lang="en-US" dirty="0"/>
-              <a:t> iteratively. During  the iteration, we add more constraints to the model according to the output of each iteration to gradually get the integer solution.</a:t>
+              <a:t> iteratively. During  the iteration, we add more constraints to the model according to the output of each iteration to gradually get the mixed integer solution.</a:t>
             </a:r>
           </a:p>
           <a:p>
@@ -8602,7 +8605,7 @@
             </a:r>
             <a:r>
               <a:rPr lang="en-US" sz="2400" b="0" dirty="0"/>
-              <a:t> =1 as soon as they become 1 in the iterative process.</a:t>
+              <a:t> =1 as soon as they become 1 in the iterative procedure.</a:t>
             </a:r>
           </a:p>
           <a:p>
@@ -9097,7 +9100,7 @@
             </a:pPr>
             <a:r>
               <a:rPr lang="en-US" b="0" kern="0" dirty="0"/>
-              <a:t>Try to increase these majority part of flow to one by reduce the minority to zero, which will guarantee the feasible solution.</a:t>
+              <a:t>Try to increase these majority part of flow to one by reducing the minority to zero, which will guarantee the feasible solution.</a:t>
             </a:r>
           </a:p>
           <a:p>
@@ -9139,7 +9142,7 @@
             </a:pPr>
             <a:r>
               <a:rPr lang="en-US" b="0" dirty="0"/>
-              <a:t>If not,  sum(user </a:t>
+              <a:t>If not,  sum(all flow of user </a:t>
             </a:r>
             <a:r>
               <a:rPr lang="en-US" b="0" dirty="0" err="1"/>
@@ -9191,10 +9194,10 @@
       </p:sp>
       <p:pic>
         <p:nvPicPr>
-          <p:cNvPr id="8" name="Picture 7">
+          <p:cNvPr id="9" name="Picture 8">
             <a:extLst>
               <a:ext uri="{FF2B5EF4-FFF2-40B4-BE49-F238E27FC236}">
-                <a16:creationId xmlns:a16="http://schemas.microsoft.com/office/drawing/2014/main" id="{8D580ED9-711D-4CB8-834F-B4FE85974CBE}"/>
+                <a16:creationId xmlns:a16="http://schemas.microsoft.com/office/drawing/2014/main" id="{7A084747-9747-40FD-9EEB-CBB4ED6C6303}"/>
               </a:ext>
             </a:extLst>
           </p:cNvPr>
@@ -9211,8 +9214,8 @@
         </p:blipFill>
         <p:spPr>
           <a:xfrm>
-            <a:off x="5883682" y="1129753"/>
-            <a:ext cx="6212396" cy="5548624"/>
+            <a:off x="6131006" y="1110883"/>
+            <a:ext cx="5451394" cy="5694218"/>
           </a:xfrm>
           <a:prstGeom prst="rect">
             <a:avLst/>
@@ -9443,17 +9446,30 @@
           <a:lstStyle/>
           <a:p>
             <a:r>
-              <a:rPr lang="en-US" sz="1600" dirty="0"/>
+              <a:rPr lang="en-US" sz="1400" dirty="0"/>
               <a:t>Split happens when the available shortest path(SP) can not fully accommodate one user.</a:t>
             </a:r>
           </a:p>
           <a:p>
-            <a:endParaRPr lang="en-US" sz="1600" dirty="0"/>
-          </a:p>
-          <a:p>
-            <a:r>
-              <a:rPr lang="en-US" sz="1600" dirty="0"/>
-              <a:t>In our model, due to each node can serve all services, so service type does not matter for node. The value of each service matters. (Only the Higher value flow effects the lower value flow)</a:t>
+            <a:r>
+              <a:rPr lang="en-US" sz="1400" dirty="0"/>
+              <a:t>In our model:</a:t>
+            </a:r>
+          </a:p>
+          <a:p>
+            <a:r>
+              <a:rPr lang="en-US" sz="1400" dirty="0"/>
+              <a:t>	Each node can serve at least one service. Due to each node can serve all services, so service type does not matter for node. The value of each service matters. </a:t>
+            </a:r>
+            <a:r>
+              <a:rPr lang="en-US" sz="1400" dirty="0">
+                <a:sym typeface="Wingdings" panose="05000000000000000000" pitchFamily="2" charset="2"/>
+              </a:rPr>
+              <a:t></a:t>
+            </a:r>
+            <a:r>
+              <a:rPr lang="en-US" sz="1400" dirty="0"/>
+              <a:t>Only the Higher value flow effects the lower value flow</a:t>
             </a:r>
           </a:p>
           <a:p>
@@ -9498,14 +9514,14 @@
           <a:p>
             <a:pPr algn="l"/>
             <a:r>
-              <a:rPr lang="en-US" sz="1200" b="0" dirty="0"/>
+              <a:rPr lang="en-US" sz="1200" dirty="0"/>
               <a:t>Two cases:</a:t>
             </a:r>
           </a:p>
           <a:p>
             <a:pPr algn="l"/>
             <a:r>
-              <a:rPr lang="en-US" sz="1200" b="0" dirty="0"/>
+              <a:rPr lang="en-US" sz="1200" b="0" i="1" dirty="0"/>
               <a:t>Path1 is the SP:</a:t>
             </a:r>
           </a:p>
@@ -9524,7 +9540,7 @@
             <a:pPr algn="l"/>
             <a:r>
               <a:rPr lang="en-US" sz="1200" b="0" dirty="0"/>
-              <a:t>Decrease 0.1x to 0, then due to </a:t>
+              <a:t>	Decrease 0.1x to 0, then due to </a:t>
             </a:r>
             <a:r>
               <a:rPr lang="en-US" sz="1200" b="0" dirty="0" err="1"/>
@@ -9547,7 +9563,7 @@
             <a:pPr algn="l"/>
             <a:r>
               <a:rPr lang="en-US" sz="1200" b="0" dirty="0"/>
-              <a:t>sum{x}&lt;1 drop off. </a:t>
+              <a:t>	sum{flow of user x}&lt;1 drop off in the future iteration. </a:t>
             </a:r>
             <a:r>
               <a:rPr lang="en-US" sz="1200" b="0" dirty="0">
@@ -9570,7 +9586,7 @@
           <a:p>
             <a:pPr algn="l"/>
             <a:r>
-              <a:rPr lang="en-US" sz="1200" b="0" dirty="0"/>
+              <a:rPr lang="en-US" sz="1200" b="0" i="1" dirty="0"/>
               <a:t>Path 2 is the SP:</a:t>
             </a:r>
           </a:p>
@@ -9648,7 +9664,7 @@
             </a:r>
             <a:r>
               <a:rPr lang="en-US" sz="1200" b="0" dirty="0"/>
-              <a:t> .Then 0.9x will be kept and drop off in the future iteration. </a:t>
+              <a:t> .Then 0.9x will be kept and drop 	off in the future iteration. </a:t>
             </a:r>
             <a:r>
               <a:rPr lang="en-US" sz="1200" b="0" dirty="0">
@@ -9757,7 +9773,7 @@
               <a:rPr lang="en-US" sz="1200" b="0" dirty="0">
                 <a:sym typeface="Wingdings" panose="05000000000000000000" pitchFamily="2" charset="2"/>
               </a:rPr>
-              <a:t>				</a:t>
+              <a:t>				  </a:t>
             </a:r>
             <a:r>
               <a:rPr lang="en-US" sz="1200" b="0" dirty="0" err="1"/>
@@ -9780,7 +9796,7 @@
               <a:rPr lang="en-US" sz="1200" b="0" dirty="0">
                 <a:sym typeface="Wingdings" panose="05000000000000000000" pitchFamily="2" charset="2"/>
               </a:rPr>
-              <a:t>				drop </a:t>
+              <a:t>				  drop </a:t>
             </a:r>
             <a:r>
               <a:rPr lang="en-US" sz="1200" b="0" dirty="0" err="1">
@@ -9902,7 +9918,7 @@
         </p:blipFill>
         <p:spPr>
           <a:xfrm>
-            <a:off x="1173059" y="4219703"/>
+            <a:off x="1201192" y="4155501"/>
             <a:ext cx="3810010" cy="2567466"/>
           </a:xfrm>
           <a:prstGeom prst="rect">
@@ -10166,21 +10182,27 @@
             <a:endParaRPr lang="en-US" b="0" dirty="0"/>
           </a:p>
           <a:p>
-            <a:endParaRPr lang="en-US" b="0" dirty="0"/>
-          </a:p>
-          <a:p>
+            <a:r>
+              <a:rPr lang="en-US" b="0" dirty="0"/>
+              <a:t>Pros:</a:t>
+            </a:r>
+          </a:p>
+          <a:p>
+            <a:pPr lvl="1"/>
             <a:r>
               <a:rPr lang="en-US" b="0" dirty="0"/>
               <a:t>Achieve good approximation for mixed integer programming with much less computation.</a:t>
             </a:r>
           </a:p>
           <a:p>
+            <a:pPr lvl="1"/>
             <a:endParaRPr lang="en-US" b="0" dirty="0"/>
           </a:p>
           <a:p>
+            <a:pPr lvl="1"/>
             <a:r>
               <a:rPr lang="en-US" b="0" dirty="0"/>
-              <a:t>Solution duration is much stable than </a:t>
+              <a:t>Solution duration is much more stable than </a:t>
             </a:r>
             <a:r>
               <a:rPr lang="en-US" b="0" dirty="0" err="1"/>
@@ -10192,21 +10214,27 @@
             </a:r>
           </a:p>
           <a:p>
+            <a:pPr lvl="1"/>
             <a:endParaRPr lang="en-US" b="0" dirty="0"/>
           </a:p>
           <a:p>
+            <a:pPr lvl="1"/>
             <a:r>
               <a:rPr lang="en-US" b="0" dirty="0"/>
-              <a:t>Adjustable(parameters)  and extendible </a:t>
-            </a:r>
-          </a:p>
-          <a:p>
-            <a:endParaRPr lang="en-US" b="0" dirty="0"/>
-          </a:p>
-          <a:p>
+              <a:t>Adjustable(parameters, terminate condition)</a:t>
+            </a:r>
+          </a:p>
+          <a:p>
+            <a:r>
+              <a:rPr lang="en-US" b="0" dirty="0"/>
+              <a:t>Cons:</a:t>
+            </a:r>
+          </a:p>
+          <a:p>
+            <a:pPr lvl="1"/>
             <a:r>
               <a:rPr lang="en-US" altLang="zh-CN" b="0" dirty="0"/>
-              <a:t>Still mixed integer programming</a:t>
+              <a:t>Still mixed integer programming in each iteration(LP in future work)</a:t>
             </a:r>
             <a:endParaRPr lang="en-US" dirty="0"/>
           </a:p>
